--- a/materials/slides/4.10 渗透测试——Burper Target的使用.pptx
+++ b/materials/slides/4.10 渗透测试——Burper Target的使用.pptx
@@ -4332,7 +4332,6 @@
               <a:rPr lang="zh-CN" altLang="en-US" dirty="0"/>
               <a:t>中</a:t>
             </a:r>
-            <a:endParaRPr lang="zh-CN" altLang="en-US" dirty="0"/>
           </a:p>
         </p:txBody>
       </p:sp>
@@ -4387,6 +4386,13 @@
   <p:clrMapOvr>
     <a:masterClrMapping/>
   </p:clrMapOvr>
+  <p:timing>
+    <p:tnLst>
+      <p:par>
+        <p:cTn id="1" dur="indefinite" restart="never" nodeType="tmRoot"/>
+      </p:par>
+    </p:tnLst>
+  </p:timing>
 </p:sld>
 </file>
 
@@ -4494,6 +4500,13 @@
   <p:clrMapOvr>
     <a:masterClrMapping/>
   </p:clrMapOvr>
+  <p:timing>
+    <p:tnLst>
+      <p:par>
+        <p:cTn id="1" dur="indefinite" restart="never" nodeType="tmRoot"/>
+      </p:par>
+    </p:tnLst>
+  </p:timing>
 </p:sld>
 </file>
 
@@ -4673,6 +4686,13 @@
   <p:clrMapOvr>
     <a:masterClrMapping/>
   </p:clrMapOvr>
+  <p:timing>
+    <p:tnLst>
+      <p:par>
+        <p:cTn id="1" dur="indefinite" restart="never" nodeType="tmRoot"/>
+      </p:par>
+    </p:tnLst>
+  </p:timing>
 </p:sld>
 </file>
 
@@ -4836,6 +4856,13 @@
   <p:clrMapOvr>
     <a:masterClrMapping/>
   </p:clrMapOvr>
+  <p:timing>
+    <p:tnLst>
+      <p:par>
+        <p:cTn id="1" dur="indefinite" restart="never" nodeType="tmRoot"/>
+      </p:par>
+    </p:tnLst>
+  </p:timing>
 </p:sld>
 </file>
 
@@ -4965,6 +4992,13 @@
   <p:clrMapOvr>
     <a:masterClrMapping/>
   </p:clrMapOvr>
+  <p:timing>
+    <p:tnLst>
+      <p:par>
+        <p:cTn id="1" dur="indefinite" restart="never" nodeType="tmRoot"/>
+      </p:par>
+    </p:tnLst>
+  </p:timing>
 </p:sld>
 </file>
 
@@ -5603,7 +5637,12 @@
             <p:ph idx="1"/>
           </p:nvPr>
         </p:nvSpPr>
-        <p:spPr/>
+        <p:spPr>
+          <a:xfrm>
+            <a:off x="747661" y="1030031"/>
+            <a:ext cx="10515600" cy="4930775"/>
+          </a:xfrm>
+        </p:spPr>
         <p:txBody>
           <a:bodyPr/>
           <a:lstStyle/>
@@ -5663,7 +5702,7 @@
         </p:blipFill>
         <p:spPr bwMode="auto">
           <a:xfrm>
-            <a:off x="3231284" y="2213349"/>
+            <a:off x="3231284" y="2346085"/>
             <a:ext cx="6627611" cy="4644651"/>
           </a:xfrm>
           <a:prstGeom prst="rect">
@@ -6090,15 +6129,15 @@
           <a:lstStyle/>
           <a:p>
             <a:r>
-              <a:rPr lang="zh-CN" altLang="en-US" smtClean="0"/>
+              <a:rPr lang="zh-CN" altLang="en-US" dirty="0" smtClean="0"/>
               <a:t>如果我们之前是针对全站进行比较，且是选择重新发生一次作为</a:t>
             </a:r>
             <a:r>
-              <a:rPr lang="en-US" altLang="zh-CN" smtClean="0"/>
+              <a:rPr lang="en-US" altLang="zh-CN" dirty="0" smtClean="0"/>
               <a:t>Site Map2</a:t>
             </a:r>
             <a:r>
-              <a:rPr lang="zh-CN" altLang="en-US" smtClean="0"/>
+              <a:rPr lang="zh-CN" altLang="en-US" dirty="0" smtClean="0"/>
               <a:t>的方式，则界面加载过程中会不停提示你数据加载的进度，如果涉及功能请求的链接较少，则很快进入比较界面</a:t>
             </a:r>
             <a:endParaRPr lang="zh-CN" altLang="en-US" dirty="0"/>
@@ -6240,6 +6279,13 @@
   <p:clrMapOvr>
     <a:masterClrMapping/>
   </p:clrMapOvr>
+  <p:timing>
+    <p:tnLst>
+      <p:par>
+        <p:cTn id="1" dur="indefinite" restart="never" nodeType="tmRoot"/>
+      </p:par>
+    </p:tnLst>
+  </p:timing>
 </p:sld>
 </file>
 
@@ -6373,6 +6419,13 @@
   <p:clrMapOvr>
     <a:masterClrMapping/>
   </p:clrMapOvr>
+  <p:timing>
+    <p:tnLst>
+      <p:par>
+        <p:cTn id="1" dur="indefinite" restart="never" nodeType="tmRoot"/>
+      </p:par>
+    </p:tnLst>
+  </p:timing>
 </p:sld>
 </file>
 
@@ -6526,6 +6579,13 @@
   <p:clrMapOvr>
     <a:masterClrMapping/>
   </p:clrMapOvr>
+  <p:timing>
+    <p:tnLst>
+      <p:par>
+        <p:cTn id="1" dur="indefinite" restart="never" nodeType="tmRoot"/>
+      </p:par>
+    </p:tnLst>
+  </p:timing>
 </p:sld>
 </file>
 
@@ -6630,6 +6690,13 @@
   <p:clrMapOvr>
     <a:masterClrMapping/>
   </p:clrMapOvr>
+  <p:timing>
+    <p:tnLst>
+      <p:par>
+        <p:cTn id="1" dur="indefinite" restart="never" nodeType="tmRoot"/>
+      </p:par>
+    </p:tnLst>
+  </p:timing>
 </p:sld>
 </file>
 
@@ -6747,7 +6814,7 @@
         </p:blipFill>
         <p:spPr bwMode="auto">
           <a:xfrm>
-            <a:off x="3779923" y="1038224"/>
+            <a:off x="3588194" y="2454069"/>
             <a:ext cx="8172450" cy="5819776"/>
           </a:xfrm>
           <a:prstGeom prst="rect">
@@ -6775,6 +6842,13 @@
   <p:clrMapOvr>
     <a:masterClrMapping/>
   </p:clrMapOvr>
+  <p:timing>
+    <p:tnLst>
+      <p:par>
+        <p:cTn id="1" dur="indefinite" restart="never" nodeType="tmRoot"/>
+      </p:par>
+    </p:tnLst>
+  </p:timing>
 </p:sld>
 </file>
 
@@ -6920,6 +6994,13 @@
   <p:clrMapOvr>
     <a:masterClrMapping/>
   </p:clrMapOvr>
+  <p:timing>
+    <p:tnLst>
+      <p:par>
+        <p:cTn id="1" dur="indefinite" restart="never" nodeType="tmRoot"/>
+      </p:par>
+    </p:tnLst>
+  </p:timing>
 </p:sld>
 </file>
 
@@ -7092,6 +7173,13 @@
   <p:clrMapOvr>
     <a:masterClrMapping/>
   </p:clrMapOvr>
+  <p:timing>
+    <p:tnLst>
+      <p:par>
+        <p:cTn id="1" dur="indefinite" restart="never" nodeType="tmRoot"/>
+      </p:par>
+    </p:tnLst>
+  </p:timing>
 </p:sld>
 </file>
 
@@ -7288,47 +7376,47 @@
           <a:lstStyle/>
           <a:p>
             <a:r>
-              <a:rPr lang="zh-CN" altLang="en-US" smtClean="0"/>
+              <a:rPr lang="zh-CN" altLang="en-US" dirty="0" smtClean="0"/>
               <a:t>在使用攻击面分析功能时，需要注意：</a:t>
             </a:r>
-            <a:endParaRPr lang="en-US" altLang="zh-CN" smtClean="0"/>
+            <a:endParaRPr lang="en-US" altLang="zh-CN" dirty="0" smtClean="0"/>
           </a:p>
           <a:p>
             <a:pPr lvl="1"/>
             <a:r>
-              <a:rPr lang="zh-CN" altLang="en-US" smtClean="0"/>
+              <a:rPr lang="zh-CN" altLang="en-US" dirty="0" smtClean="0"/>
               <a:t>此功能主要是针对站点地图中的请求</a:t>
             </a:r>
             <a:r>
-              <a:rPr lang="en-US" altLang="zh-CN" smtClean="0"/>
+              <a:rPr lang="en-US" altLang="zh-CN" dirty="0" smtClean="0"/>
               <a:t>URL</a:t>
             </a:r>
             <a:r>
-              <a:rPr lang="zh-CN" altLang="en-US" smtClean="0"/>
+              <a:rPr lang="zh-CN" altLang="en-US" dirty="0" smtClean="0"/>
               <a:t>进行分析，如果某些</a:t>
             </a:r>
             <a:r>
-              <a:rPr lang="en-US" altLang="zh-CN" smtClean="0"/>
+              <a:rPr lang="en-US" altLang="zh-CN" dirty="0" smtClean="0"/>
               <a:t>URL</a:t>
             </a:r>
             <a:r>
-              <a:rPr lang="zh-CN" altLang="en-US" smtClean="0"/>
+              <a:rPr lang="zh-CN" altLang="en-US" dirty="0" smtClean="0"/>
               <a:t>没有记录，则不会被分析到。同时，在实际使用中，存在很点站点使用伪静态，如果请求的</a:t>
             </a:r>
             <a:r>
-              <a:rPr lang="en-US" altLang="zh-CN" smtClean="0"/>
+              <a:rPr lang="en-US" altLang="zh-CN" dirty="0" smtClean="0"/>
               <a:t>URL</a:t>
             </a:r>
             <a:r>
-              <a:rPr lang="zh-CN" altLang="en-US" smtClean="0"/>
+              <a:rPr lang="zh-CN" altLang="en-US" dirty="0" smtClean="0"/>
               <a:t>中不带有参数，则分析时无法区别，只能当做静态</a:t>
             </a:r>
             <a:r>
-              <a:rPr lang="en-US" altLang="zh-CN" smtClean="0"/>
+              <a:rPr lang="en-US" altLang="zh-CN" dirty="0" smtClean="0"/>
               <a:t>URL</a:t>
             </a:r>
             <a:r>
-              <a:rPr lang="zh-CN" altLang="en-US" smtClean="0"/>
+              <a:rPr lang="zh-CN" altLang="en-US" dirty="0" smtClean="0"/>
               <a:t>来分析</a:t>
             </a:r>
             <a:endParaRPr lang="zh-CN" altLang="en-US" dirty="0"/>
@@ -7404,69 +7492,69 @@
           <a:lstStyle/>
           <a:p>
             <a:r>
-              <a:rPr lang="sq-AL" altLang="zh-CN" smtClean="0"/>
+              <a:rPr lang="sq-AL" altLang="zh-CN" dirty="0" smtClean="0"/>
               <a:t>Burp Target </a:t>
             </a:r>
             <a:r>
-              <a:rPr lang="zh-CN" altLang="en-US" smtClean="0"/>
+              <a:rPr lang="zh-CN" altLang="en-US" dirty="0" smtClean="0"/>
               <a:t>的使用</a:t>
             </a:r>
-            <a:endParaRPr lang="en-US" altLang="zh-CN" smtClean="0"/>
+            <a:endParaRPr lang="en-US" altLang="zh-CN" dirty="0" smtClean="0"/>
           </a:p>
           <a:p>
             <a:pPr lvl="1"/>
             <a:r>
-              <a:rPr lang="sq-AL" altLang="zh-CN" smtClean="0"/>
+              <a:rPr lang="sq-AL" altLang="zh-CN" dirty="0" smtClean="0"/>
               <a:t>Burp Target </a:t>
             </a:r>
             <a:r>
-              <a:rPr lang="zh-CN" altLang="en-US" smtClean="0"/>
+              <a:rPr lang="zh-CN" altLang="en-US" dirty="0" smtClean="0"/>
               <a:t>介绍</a:t>
             </a:r>
-            <a:endParaRPr lang="en-US" altLang="zh-CN" smtClean="0"/>
+            <a:endParaRPr lang="en-US" altLang="zh-CN" dirty="0" smtClean="0"/>
           </a:p>
           <a:p>
             <a:pPr lvl="1"/>
             <a:r>
-              <a:rPr lang="sq-AL" altLang="zh-CN" smtClean="0"/>
+              <a:rPr lang="sq-AL" altLang="zh-CN" dirty="0" smtClean="0"/>
               <a:t>Burp Target </a:t>
             </a:r>
             <a:r>
-              <a:rPr lang="zh-CN" altLang="en-US" smtClean="0"/>
+              <a:rPr lang="zh-CN" altLang="en-US" dirty="0" smtClean="0"/>
               <a:t>包含的组件，以及每个组件的用法</a:t>
             </a:r>
-            <a:endParaRPr lang="en-US" altLang="zh-CN" smtClean="0"/>
+            <a:endParaRPr lang="en-US" altLang="zh-CN" dirty="0" smtClean="0"/>
           </a:p>
           <a:p>
             <a:pPr lvl="2"/>
             <a:r>
-              <a:rPr lang="zh-CN" altLang="en-US" smtClean="0"/>
+              <a:rPr lang="zh-CN" altLang="en-US" dirty="0" smtClean="0"/>
               <a:t>目标域设置 </a:t>
             </a:r>
             <a:r>
-              <a:rPr lang="sq-AL" altLang="zh-CN" smtClean="0"/>
+              <a:rPr lang="sq-AL" altLang="zh-CN" dirty="0" smtClean="0"/>
               <a:t>Target Scope</a:t>
             </a:r>
           </a:p>
           <a:p>
             <a:pPr lvl="2"/>
             <a:r>
-              <a:rPr lang="zh-CN" altLang="en-US" smtClean="0"/>
+              <a:rPr lang="zh-CN" altLang="en-US" dirty="0" smtClean="0"/>
               <a:t>站点地图 </a:t>
             </a:r>
             <a:r>
-              <a:rPr lang="sq-AL" altLang="zh-CN" smtClean="0"/>
+              <a:rPr lang="sq-AL" altLang="zh-CN" dirty="0" smtClean="0"/>
               <a:t>Site Map</a:t>
             </a:r>
           </a:p>
           <a:p>
             <a:pPr lvl="2"/>
             <a:r>
-              <a:rPr lang="sq-AL" altLang="zh-CN" smtClean="0"/>
+              <a:rPr lang="sq-AL" altLang="zh-CN" dirty="0" smtClean="0"/>
               <a:t>Target </a:t>
             </a:r>
             <a:r>
-              <a:rPr lang="zh-CN" altLang="en-US" smtClean="0"/>
+              <a:rPr lang="zh-CN" altLang="en-US" dirty="0" smtClean="0"/>
               <a:t>工具的使用</a:t>
             </a:r>
           </a:p>
@@ -7659,6 +7747,13 @@
   <p:clrMapOvr>
     <a:masterClrMapping/>
   </p:clrMapOvr>
+  <p:timing>
+    <p:tnLst>
+      <p:par>
+        <p:cTn id="1" dur="indefinite" restart="never" nodeType="tmRoot"/>
+      </p:par>
+    </p:tnLst>
+  </p:timing>
 </p:sld>
 </file>
 
@@ -7847,6 +7942,13 @@
   <p:clrMapOvr>
     <a:masterClrMapping/>
   </p:clrMapOvr>
+  <p:timing>
+    <p:tnLst>
+      <p:par>
+        <p:cTn id="1" dur="indefinite" restart="never" nodeType="tmRoot"/>
+      </p:par>
+    </p:tnLst>
+  </p:timing>
 </p:sld>
 </file>
 
@@ -7955,6 +8057,13 @@
   <p:clrMapOvr>
     <a:masterClrMapping/>
   </p:clrMapOvr>
+  <p:timing>
+    <p:tnLst>
+      <p:par>
+        <p:cTn id="1" dur="indefinite" restart="never" nodeType="tmRoot"/>
+      </p:par>
+    </p:tnLst>
+  </p:timing>
 </p:sld>
 </file>
 
@@ -8059,7 +8168,6 @@
               <a:rPr lang="zh-CN" altLang="en-US" dirty="0"/>
               <a:t>站点地图中</a:t>
             </a:r>
-            <a:endParaRPr lang="zh-CN" altLang="en-US" dirty="0"/>
           </a:p>
         </p:txBody>
       </p:sp>
@@ -8114,6 +8222,13 @@
   <p:clrMapOvr>
     <a:masterClrMapping/>
   </p:clrMapOvr>
+  <p:timing>
+    <p:tnLst>
+      <p:par>
+        <p:cTn id="1" dur="indefinite" restart="never" nodeType="tmRoot"/>
+      </p:par>
+    </p:tnLst>
+  </p:timing>
 </p:sld>
 </file>
 
@@ -8247,6 +8362,13 @@
   <p:clrMapOvr>
     <a:masterClrMapping/>
   </p:clrMapOvr>
+  <p:timing>
+    <p:tnLst>
+      <p:par>
+        <p:cTn id="1" dur="indefinite" restart="never" nodeType="tmRoot"/>
+      </p:par>
+    </p:tnLst>
+  </p:timing>
 </p:sld>
 </file>
 
@@ -8368,6 +8490,13 @@
   <p:clrMapOvr>
     <a:masterClrMapping/>
   </p:clrMapOvr>
+  <p:timing>
+    <p:tnLst>
+      <p:par>
+        <p:cTn id="1" dur="indefinite" restart="never" nodeType="tmRoot"/>
+      </p:par>
+    </p:tnLst>
+  </p:timing>
 </p:sld>
 </file>
 
